--- a/JamiesCMakeTutorial/CMakeTraining/Session 1 - CMake and Building CXX.pptx
+++ b/JamiesCMakeTutorial/CMakeTraining/Session 1 - CMake and Building CXX.pptx
@@ -99,7 +99,7 @@
         <p:txBody>
           <a:bodyPr/>
           <a:p>
-            <a:fld id="{1A4E6FC8-746C-43D6-AEE7-1CFF9B713E13}" type="slidenum">
+            <a:fld id="{6EE08880-E54A-4F56-B054-DD2A2E761E82}" type="slidenum">
               <a:t>&lt;#&gt;</a:t>
             </a:fld>
           </a:p>
@@ -293,7 +293,7 @@
         <p:txBody>
           <a:bodyPr/>
           <a:p>
-            <a:fld id="{B2182C35-9EA5-4236-88B4-A835254E800A}" type="slidenum">
+            <a:fld id="{35207C77-5C77-4655-B44E-537B11F6992E}" type="slidenum">
               <a:t>&lt;#&gt;</a:t>
             </a:fld>
           </a:p>
@@ -561,7 +561,7 @@
         <p:txBody>
           <a:bodyPr/>
           <a:p>
-            <a:fld id="{2B70BEC1-0F5E-4675-B6E4-0FC5CAB090A8}" type="slidenum">
+            <a:fld id="{30FFA5FB-D0F1-4398-A703-61BE6100F614}" type="slidenum">
               <a:t>&lt;#&gt;</a:t>
             </a:fld>
           </a:p>
@@ -903,7 +903,7 @@
         <p:txBody>
           <a:bodyPr/>
           <a:p>
-            <a:fld id="{FECE647B-92BC-4895-A4A0-7B5F2DC957DC}" type="slidenum">
+            <a:fld id="{4E6E7CB1-D801-408E-8A04-68FC9DF49721}" type="slidenum">
               <a:t>&lt;#&gt;</a:t>
             </a:fld>
           </a:p>
@@ -986,7 +986,7 @@
         <p:txBody>
           <a:bodyPr/>
           <a:p>
-            <a:fld id="{0DBB43BA-F81B-4C4F-B9CA-BEAA84944A76}" type="slidenum">
+            <a:fld id="{146BC95D-7901-4946-A993-D11B30A83B51}" type="slidenum">
               <a:t>&lt;#&gt;</a:t>
             </a:fld>
           </a:p>
@@ -1143,7 +1143,7 @@
         <p:txBody>
           <a:bodyPr/>
           <a:p>
-            <a:fld id="{7DDFCEA0-63B1-49F0-AD8F-5DA42CE7DD55}" type="slidenum">
+            <a:fld id="{2C399469-160A-412C-BA45-BB15F739C1E5}" type="slidenum">
               <a:t>&lt;#&gt;</a:t>
             </a:fld>
           </a:p>
@@ -1300,7 +1300,7 @@
         <p:txBody>
           <a:bodyPr/>
           <a:p>
-            <a:fld id="{679EABA5-0830-4E86-B99C-A9F0709AC572}" type="slidenum">
+            <a:fld id="{49B404ED-2C45-4AE9-AD10-AC35CD440C71}" type="slidenum">
               <a:t>&lt;#&gt;</a:t>
             </a:fld>
           </a:p>
@@ -1494,7 +1494,7 @@
         <p:txBody>
           <a:bodyPr/>
           <a:p>
-            <a:fld id="{7E225CF8-F396-4F9A-AD3C-DEAA3789125D}" type="slidenum">
+            <a:fld id="{47DFE9C1-87F5-4361-AFC4-2E8DA6C2E6D8}" type="slidenum">
               <a:t>&lt;#&gt;</a:t>
             </a:fld>
           </a:p>
@@ -1614,7 +1614,7 @@
         <p:txBody>
           <a:bodyPr/>
           <a:p>
-            <a:fld id="{5C240E67-6A37-4C2A-8835-0D4A8878B5CE}" type="slidenum">
+            <a:fld id="{FFB739B6-9F2B-422D-AF7E-6FA5FF1AA1DF}" type="slidenum">
               <a:t>&lt;#&gt;</a:t>
             </a:fld>
           </a:p>
@@ -1734,7 +1734,7 @@
         <p:txBody>
           <a:bodyPr/>
           <a:p>
-            <a:fld id="{8BF9CE51-862E-4C48-9C79-23FF113184C6}" type="slidenum">
+            <a:fld id="{134DD1D7-0671-47DE-9DF5-B987F76194D6}" type="slidenum">
               <a:t>&lt;#&gt;</a:t>
             </a:fld>
           </a:p>
@@ -1965,7 +1965,7 @@
         <p:txBody>
           <a:bodyPr/>
           <a:p>
-            <a:fld id="{2FD7FDAE-9B4F-4DB2-9146-9DC519911EBC}" type="slidenum">
+            <a:fld id="{ADDA370A-35A9-49EB-A0C7-86F12982EA70}" type="slidenum">
               <a:t>&lt;#&gt;</a:t>
             </a:fld>
           </a:p>
@@ -2122,7 +2122,7 @@
         <p:txBody>
           <a:bodyPr/>
           <a:p>
-            <a:fld id="{5ABC7412-1E09-42B7-9EC6-B72B781E6249}" type="slidenum">
+            <a:fld id="{C14F3FE3-D831-4A1E-AC10-76A1652083B3}" type="slidenum">
               <a:t>&lt;#&gt;</a:t>
             </a:fld>
           </a:p>
@@ -2353,7 +2353,7 @@
         <p:txBody>
           <a:bodyPr/>
           <a:p>
-            <a:fld id="{AA8B731D-DA4B-4D8F-A84F-C05C3824342E}" type="slidenum">
+            <a:fld id="{5B715346-9C81-4230-854A-17849E053C66}" type="slidenum">
               <a:t>&lt;#&gt;</a:t>
             </a:fld>
           </a:p>
@@ -2584,7 +2584,7 @@
         <p:txBody>
           <a:bodyPr/>
           <a:p>
-            <a:fld id="{704AC15B-8CB2-491E-A60C-F963B8B9BF51}" type="slidenum">
+            <a:fld id="{8BC46947-48B8-46F4-9FD2-2081F3ABA2ED}" type="slidenum">
               <a:t>&lt;#&gt;</a:t>
             </a:fld>
           </a:p>
@@ -2778,7 +2778,7 @@
         <p:txBody>
           <a:bodyPr/>
           <a:p>
-            <a:fld id="{6D2EF347-D2EA-4FA6-A822-D19A35E576F7}" type="slidenum">
+            <a:fld id="{9E6D7285-1A0E-4048-9B4C-6CA4F42C6251}" type="slidenum">
               <a:t>&lt;#&gt;</a:t>
             </a:fld>
           </a:p>
@@ -3046,7 +3046,7 @@
         <p:txBody>
           <a:bodyPr/>
           <a:p>
-            <a:fld id="{B8D6FB48-61FE-4BD2-9EA9-F4E19D8F67ED}" type="slidenum">
+            <a:fld id="{2686CBC2-40CA-40F8-96C5-AB670C7E4F2F}" type="slidenum">
               <a:t>&lt;#&gt;</a:t>
             </a:fld>
           </a:p>
@@ -3388,7 +3388,7 @@
         <p:txBody>
           <a:bodyPr/>
           <a:p>
-            <a:fld id="{BA56FBD1-A095-4A7D-B4B3-428D46ACA565}" type="slidenum">
+            <a:fld id="{3D712BA4-FD07-4A2A-B99C-3ABA7F3E3BA7}" type="slidenum">
               <a:t>&lt;#&gt;</a:t>
             </a:fld>
           </a:p>
@@ -3471,7 +3471,7 @@
         <p:txBody>
           <a:bodyPr/>
           <a:p>
-            <a:fld id="{FC4FEC30-C447-4A57-BE96-626035D4981E}" type="slidenum">
+            <a:fld id="{10BD64E2-91CF-4474-93C1-AF484B80FA52}" type="slidenum">
               <a:t>&lt;#&gt;</a:t>
             </a:fld>
           </a:p>
@@ -3628,7 +3628,7 @@
         <p:txBody>
           <a:bodyPr/>
           <a:p>
-            <a:fld id="{F7D2B26E-4DC1-4347-B47A-66588281EDF4}" type="slidenum">
+            <a:fld id="{BADFDA03-B66D-4090-9BD7-2623946F575E}" type="slidenum">
               <a:t>&lt;#&gt;</a:t>
             </a:fld>
           </a:p>
@@ -3785,7 +3785,7 @@
         <p:txBody>
           <a:bodyPr/>
           <a:p>
-            <a:fld id="{81DC24A7-B164-4B3A-ABA4-37444C1D8E28}" type="slidenum">
+            <a:fld id="{935777E4-7606-4B2B-B9D8-F1665EA34C63}" type="slidenum">
               <a:t>&lt;#&gt;</a:t>
             </a:fld>
           </a:p>
@@ -3979,7 +3979,7 @@
         <p:txBody>
           <a:bodyPr/>
           <a:p>
-            <a:fld id="{856CB06C-A70D-401E-976C-A7D41ECBB731}" type="slidenum">
+            <a:fld id="{0ADBE09D-7BA5-4843-827F-2FCEC1A14BCF}" type="slidenum">
               <a:t>&lt;#&gt;</a:t>
             </a:fld>
           </a:p>
@@ -4099,7 +4099,7 @@
         <p:txBody>
           <a:bodyPr/>
           <a:p>
-            <a:fld id="{D9F1E213-18D8-4FD2-B32F-E52E865CF4F5}" type="slidenum">
+            <a:fld id="{E18B961D-FA0C-46DC-AE5C-D854EC57B389}" type="slidenum">
               <a:t>&lt;#&gt;</a:t>
             </a:fld>
           </a:p>
@@ -4256,7 +4256,7 @@
         <p:txBody>
           <a:bodyPr/>
           <a:p>
-            <a:fld id="{70950900-9515-4D46-9C08-2BA0520DD920}" type="slidenum">
+            <a:fld id="{FC8CF3DA-38AB-49F7-A3DE-0D753914DB54}" type="slidenum">
               <a:t>&lt;#&gt;</a:t>
             </a:fld>
           </a:p>
@@ -4376,7 +4376,7 @@
         <p:txBody>
           <a:bodyPr/>
           <a:p>
-            <a:fld id="{D06D464B-76EB-47F0-83CF-E1628E0651E5}" type="slidenum">
+            <a:fld id="{A3529BD1-869F-417C-943B-6F9A1FFB7776}" type="slidenum">
               <a:t>&lt;#&gt;</a:t>
             </a:fld>
           </a:p>
@@ -4607,7 +4607,7 @@
         <p:txBody>
           <a:bodyPr/>
           <a:p>
-            <a:fld id="{DF0A1CD8-3FCC-44F2-9287-67408673E90E}" type="slidenum">
+            <a:fld id="{7F14AEBF-6EFA-4C02-8848-32DB2B45EDFF}" type="slidenum">
               <a:t>&lt;#&gt;</a:t>
             </a:fld>
           </a:p>
@@ -4838,7 +4838,7 @@
         <p:txBody>
           <a:bodyPr/>
           <a:p>
-            <a:fld id="{C8C25FF4-7D57-4917-BE60-0105F1E2C17A}" type="slidenum">
+            <a:fld id="{B9016622-3052-4130-8E41-5FB50AC98839}" type="slidenum">
               <a:t>&lt;#&gt;</a:t>
             </a:fld>
           </a:p>
@@ -5069,7 +5069,7 @@
         <p:txBody>
           <a:bodyPr/>
           <a:p>
-            <a:fld id="{DA716B83-4F96-4A69-87EC-4225FE7A17CF}" type="slidenum">
+            <a:fld id="{A7AD230B-38B7-4C55-B1D9-5473FA467C54}" type="slidenum">
               <a:t>&lt;#&gt;</a:t>
             </a:fld>
           </a:p>
@@ -5263,7 +5263,7 @@
         <p:txBody>
           <a:bodyPr/>
           <a:p>
-            <a:fld id="{2B5B8461-80AB-4F3B-9B6F-70F6B964F50E}" type="slidenum">
+            <a:fld id="{B3FB3872-13B7-4737-8586-AB9D10BE2568}" type="slidenum">
               <a:t>&lt;#&gt;</a:t>
             </a:fld>
           </a:p>
@@ -5531,7 +5531,7 @@
         <p:txBody>
           <a:bodyPr/>
           <a:p>
-            <a:fld id="{364EFDF0-F3B5-448E-B962-0E8C9B483BC8}" type="slidenum">
+            <a:fld id="{C1898D28-BFE4-45B7-9A38-B737893A3144}" type="slidenum">
               <a:t>&lt;#&gt;</a:t>
             </a:fld>
           </a:p>
@@ -5873,7 +5873,7 @@
         <p:txBody>
           <a:bodyPr/>
           <a:p>
-            <a:fld id="{B5C7EE94-5FB7-43EF-82A7-6729F2A8F6D1}" type="slidenum">
+            <a:fld id="{C41A066B-0E06-4390-A4D6-9DF20BFA6E7F}" type="slidenum">
               <a:t>&lt;#&gt;</a:t>
             </a:fld>
           </a:p>
@@ -6067,7 +6067,7 @@
         <p:txBody>
           <a:bodyPr/>
           <a:p>
-            <a:fld id="{C88C74CE-731B-4693-98A4-2E12698D360A}" type="slidenum">
+            <a:fld id="{1E83ECCD-4387-4DD6-AFA1-1F5556F59AD9}" type="slidenum">
               <a:t>&lt;#&gt;</a:t>
             </a:fld>
           </a:p>
@@ -6187,7 +6187,7 @@
         <p:txBody>
           <a:bodyPr/>
           <a:p>
-            <a:fld id="{7046E011-93E4-4776-A789-E944F195628F}" type="slidenum">
+            <a:fld id="{A6BBD48A-8F1A-4DB9-881B-8E1F3C017510}" type="slidenum">
               <a:t>&lt;#&gt;</a:t>
             </a:fld>
           </a:p>
@@ -6307,7 +6307,7 @@
         <p:txBody>
           <a:bodyPr/>
           <a:p>
-            <a:fld id="{94A8F2DE-F7C6-4551-9899-48DDBF4EF3BF}" type="slidenum">
+            <a:fld id="{C3101FE0-2F66-442D-959C-47CB3A1450D0}" type="slidenum">
               <a:t>&lt;#&gt;</a:t>
             </a:fld>
           </a:p>
@@ -6538,7 +6538,7 @@
         <p:txBody>
           <a:bodyPr/>
           <a:p>
-            <a:fld id="{39BA7BEA-38DF-4244-9D13-87271F7CB82C}" type="slidenum">
+            <a:fld id="{1BAACE62-7BD1-4015-BE85-B87ABC37D441}" type="slidenum">
               <a:t>&lt;#&gt;</a:t>
             </a:fld>
           </a:p>
@@ -6769,7 +6769,7 @@
         <p:txBody>
           <a:bodyPr/>
           <a:p>
-            <a:fld id="{7E320618-B373-48FF-BEE5-3A42B7B6DB27}" type="slidenum">
+            <a:fld id="{D7EAC279-9B46-4582-8593-99AC50E90B92}" type="slidenum">
               <a:t>&lt;#&gt;</a:t>
             </a:fld>
           </a:p>
@@ -7000,7 +7000,7 @@
         <p:txBody>
           <a:bodyPr/>
           <a:p>
-            <a:fld id="{9E32D7C6-A072-4D01-B416-8234A1455195}" type="slidenum">
+            <a:fld id="{37E69DC6-ED08-4D3C-9362-22E888C071B6}" type="slidenum">
               <a:t>&lt;#&gt;</a:t>
             </a:fld>
           </a:p>
@@ -7121,61 +7121,7 @@
                 </a:solidFill>
                 <a:latin typeface="Calibri Light"/>
               </a:rPr>
-              <a:t>Click </a:t>
-            </a:r>
-            <a:r>
-              <a:rPr b="0" lang="en-US" sz="4800" spc="-1" strike="noStrike">
-                <a:solidFill>
-                  <a:srgbClr val="ffffff"/>
-                </a:solidFill>
-                <a:latin typeface="Calibri Light"/>
-              </a:rPr>
-              <a:t>to </a:t>
-            </a:r>
-            <a:r>
-              <a:rPr b="0" lang="en-US" sz="4800" spc="-1" strike="noStrike">
-                <a:solidFill>
-                  <a:srgbClr val="ffffff"/>
-                </a:solidFill>
-                <a:latin typeface="Calibri Light"/>
-              </a:rPr>
-              <a:t>edit </a:t>
-            </a:r>
-            <a:r>
-              <a:rPr b="0" lang="en-US" sz="4800" spc="-1" strike="noStrike">
-                <a:solidFill>
-                  <a:srgbClr val="ffffff"/>
-                </a:solidFill>
-                <a:latin typeface="Calibri Light"/>
-              </a:rPr>
-              <a:t>Mast</a:t>
-            </a:r>
-            <a:r>
-              <a:rPr b="0" lang="en-US" sz="4800" spc="-1" strike="noStrike">
-                <a:solidFill>
-                  <a:srgbClr val="ffffff"/>
-                </a:solidFill>
-                <a:latin typeface="Calibri Light"/>
-              </a:rPr>
-              <a:t>er </a:t>
-            </a:r>
-            <a:r>
-              <a:rPr b="0" lang="en-US" sz="4800" spc="-1" strike="noStrike">
-                <a:solidFill>
-                  <a:srgbClr val="ffffff"/>
-                </a:solidFill>
-                <a:latin typeface="Calibri Light"/>
-              </a:rPr>
-              <a:t>title </a:t>
-            </a:r>
-            <a:r>
-              <a:rPr b="0" lang="en-US" sz="4800" spc="-1" strike="noStrike">
-                <a:solidFill>
-                  <a:srgbClr val="ffffff"/>
-                </a:solidFill>
-                <a:latin typeface="Calibri Light"/>
-              </a:rPr>
-              <a:t>style</a:t>
+              <a:t>Click to edit Master title style</a:t>
             </a:r>
             <a:endParaRPr b="0" lang="en-US" sz="4800" spc="-1" strike="noStrike">
               <a:solidFill>
@@ -7348,7 +7294,7 @@
               </a:lnSpc>
               <a:buNone/>
             </a:pPr>
-            <a:fld id="{84F1060D-AD0E-4AE7-B1BC-B38F4FE9BDE7}" type="slidenum">
+            <a:fld id="{21FA5D4A-48BC-44F6-885B-875FE0F23E72}" type="slidenum">
               <a:rPr b="0" lang="en-US" sz="1000" spc="-1" strike="noStrike">
                 <a:solidFill>
                   <a:srgbClr val="ffffff"/>
@@ -7697,43 +7643,7 @@
                 </a:solidFill>
                 <a:latin typeface="Calibri Light"/>
               </a:rPr>
-              <a:t>Click to </a:t>
-            </a:r>
-            <a:r>
-              <a:rPr b="0" lang="en-US" sz="3600" spc="-1" strike="noStrike">
-                <a:solidFill>
-                  <a:srgbClr val="ffffff"/>
-                </a:solidFill>
-                <a:latin typeface="Calibri Light"/>
-              </a:rPr>
-              <a:t>edit </a:t>
-            </a:r>
-            <a:r>
-              <a:rPr b="0" lang="en-US" sz="3600" spc="-1" strike="noStrike">
-                <a:solidFill>
-                  <a:srgbClr val="ffffff"/>
-                </a:solidFill>
-                <a:latin typeface="Calibri Light"/>
-              </a:rPr>
-              <a:t>Master </a:t>
-            </a:r>
-            <a:r>
-              <a:rPr b="0" lang="en-US" sz="3600" spc="-1" strike="noStrike">
-                <a:solidFill>
-                  <a:srgbClr val="ffffff"/>
-                </a:solidFill>
-                <a:latin typeface="Calibri Light"/>
-              </a:rPr>
-              <a:t>title </a:t>
-            </a:r>
-            <a:r>
-              <a:rPr b="0" lang="en-US" sz="3600" spc="-1" strike="noStrike">
-                <a:solidFill>
-                  <a:srgbClr val="ffffff"/>
-                </a:solidFill>
-                <a:latin typeface="Calibri Light"/>
-              </a:rPr>
-              <a:t>style</a:t>
+              <a:t>Click to edit Master title style</a:t>
             </a:r>
             <a:endParaRPr b="0" lang="en-US" sz="3600" spc="-1" strike="noStrike">
               <a:solidFill>
@@ -8085,7 +7995,7 @@
               </a:lnSpc>
               <a:buNone/>
             </a:pPr>
-            <a:fld id="{3A06DB6F-700D-46ED-9C2C-188BCA46033F}" type="slidenum">
+            <a:fld id="{1112C0FB-44FC-43A9-AC65-70EFF2059107}" type="slidenum">
               <a:rPr b="0" lang="en-US" sz="1000" spc="-1" strike="noStrike">
                 <a:solidFill>
                   <a:srgbClr val="ffffff"/>
@@ -8440,7 +8350,7 @@
               </a:lnSpc>
               <a:buNone/>
             </a:pPr>
-            <a:fld id="{02E2CD98-9A5A-4361-9A0D-84C0BF85440C}" type="slidenum">
+            <a:fld id="{71D012D3-2924-4958-B4CB-C3478972D0F0}" type="slidenum">
               <a:rPr b="0" lang="en-US" sz="1000" spc="-1" strike="noStrike">
                 <a:solidFill>
                   <a:srgbClr val="ffffff"/>
@@ -8533,34 +8443,7 @@
                 </a:solidFill>
                 <a:latin typeface="Calibri Light"/>
               </a:rPr>
-              <a:t>CMak</a:t>
-            </a:r>
-            <a:r>
-              <a:rPr b="0" lang="en-US" sz="4800" spc="-1" strike="noStrike">
-                <a:solidFill>
-                  <a:srgbClr val="ffffff"/>
-                </a:solidFill>
-                <a:latin typeface="Calibri Light"/>
-              </a:rPr>
-              <a:t>e </a:t>
-            </a:r>
-            <a:r>
-              <a:rPr b="0" lang="en-US" sz="4800" spc="-1" strike="noStrike">
-                <a:solidFill>
-                  <a:srgbClr val="ffffff"/>
-                </a:solidFill>
-                <a:latin typeface="Calibri Light"/>
-              </a:rPr>
-              <a:t>Traini</a:t>
-            </a:r>
-            <a:r>
-              <a:rPr b="0" lang="en-US" sz="4800" spc="-1" strike="noStrike">
-                <a:solidFill>
-                  <a:srgbClr val="ffffff"/>
-                </a:solidFill>
-                <a:latin typeface="Calibri Light"/>
-              </a:rPr>
-              <a:t>ng</a:t>
+              <a:t>CMake Training</a:t>
             </a:r>
             <a:br>
               <a:rPr sz="4800"/>
@@ -8572,16 +8455,7 @@
                 </a:solidFill>
                 <a:latin typeface="Calibri Light"/>
               </a:rPr>
-              <a:t>Sessi</a:t>
-            </a:r>
-            <a:r>
-              <a:rPr b="0" lang="en-US" sz="4800" spc="-1" strike="noStrike">
-                <a:solidFill>
-                  <a:srgbClr val="bfbfbf"/>
-                </a:solidFill>
-                <a:latin typeface="Calibri Light"/>
-              </a:rPr>
-              <a:t>on 1</a:t>
+              <a:t>Session 1</a:t>
             </a:r>
             <a:br>
               <a:rPr sz="4800"/>
@@ -8593,43 +8467,7 @@
                 </a:solidFill>
                 <a:latin typeface="Calibri Light"/>
               </a:rPr>
-              <a:t>CMak</a:t>
-            </a:r>
-            <a:r>
-              <a:rPr b="0" lang="en-US" sz="4800" spc="-1" strike="noStrike">
-                <a:solidFill>
-                  <a:srgbClr val="ffffff"/>
-                </a:solidFill>
-                <a:latin typeface="Calibri Light"/>
-              </a:rPr>
-              <a:t>e and </a:t>
-            </a:r>
-            <a:r>
-              <a:rPr b="0" lang="en-US" sz="4800" spc="-1" strike="noStrike">
-                <a:solidFill>
-                  <a:srgbClr val="ffffff"/>
-                </a:solidFill>
-                <a:latin typeface="Calibri Light"/>
-              </a:rPr>
-              <a:t>Buildi</a:t>
-            </a:r>
-            <a:r>
-              <a:rPr b="0" lang="en-US" sz="4800" spc="-1" strike="noStrike">
-                <a:solidFill>
-                  <a:srgbClr val="ffffff"/>
-                </a:solidFill>
-                <a:latin typeface="Calibri Light"/>
-              </a:rPr>
-              <a:t>ng </a:t>
-            </a:r>
-            <a:r>
-              <a:rPr b="0" lang="en-US" sz="4800" spc="-1" strike="noStrike">
-                <a:solidFill>
-                  <a:srgbClr val="ffffff"/>
-                </a:solidFill>
-                <a:latin typeface="Calibri Light"/>
-              </a:rPr>
-              <a:t>C++</a:t>
+              <a:t>CMake and Building C++</a:t>
             </a:r>
             <a:endParaRPr b="0" lang="en-US" sz="4800" spc="-1" strike="noStrike">
               <a:solidFill>
@@ -8847,7 +8685,34 @@
                 </a:solidFill>
                 <a:latin typeface="Calibri"/>
               </a:rPr>
-              <a:t>The compiler processes the entire source code for a file (including any headers you include) and generates the equivalent machine code.</a:t>
+              <a:t>The compiler processes the entire </a:t>
+            </a:r>
+            <a:r>
+              <a:rPr b="0" lang="en-US" sz="2400" spc="-1" strike="noStrike">
+                <a:solidFill>
+                  <a:srgbClr val="ffffff"/>
+                </a:solidFill>
+                <a:latin typeface="Calibri"/>
+              </a:rPr>
+              <a:t>source code for a file (including any </a:t>
+            </a:r>
+            <a:r>
+              <a:rPr b="0" lang="en-US" sz="2400" spc="-1" strike="noStrike">
+                <a:solidFill>
+                  <a:srgbClr val="ffffff"/>
+                </a:solidFill>
+                <a:latin typeface="Calibri"/>
+              </a:rPr>
+              <a:t>headers you include) and generates </a:t>
+            </a:r>
+            <a:r>
+              <a:rPr b="0" lang="en-US" sz="2400" spc="-1" strike="noStrike">
+                <a:solidFill>
+                  <a:srgbClr val="ffffff"/>
+                </a:solidFill>
+                <a:latin typeface="Calibri"/>
+              </a:rPr>
+              <a:t>the equivalent machine code.</a:t>
             </a:r>
             <a:endParaRPr b="0" lang="en-US" sz="2400" spc="-1" strike="noStrike">
               <a:solidFill>
@@ -18350,7 +18215,7 @@
         </p:nvSpPr>
         <p:spPr>
           <a:xfrm>
-            <a:off x="685800" y="609480"/>
+            <a:off x="488880" y="0"/>
             <a:ext cx="10131120" cy="939600"/>
           </a:xfrm>
           <a:prstGeom prst="rect">
